--- a/python_ppt_2023/Python 4장. 리스트, 튜플, 딕셔너리.pptx
+++ b/python_ppt_2023/Python 4장. 리스트, 튜플, 딕셔너리.pptx
@@ -262,7 +262,7 @@
           <a:p>
             <a:fld id="{7665CDAC-D627-4E87-877A-1B781DD4CADC}" type="datetimeFigureOut">
               <a:rPr lang="ko-KR" altLang="en-US" smtClean="0"/>
-              <a:t>2023-03-25</a:t>
+              <a:t>2023-04-08</a:t>
             </a:fld>
             <a:endParaRPr lang="ko-KR" altLang="en-US"/>
           </a:p>
@@ -674,7 +674,7 @@
           <a:p>
             <a:fld id="{C25BCFD5-C4DF-4EBC-B718-C69ED2FBDE6F}" type="datetime1">
               <a:rPr lang="ko-KR" altLang="en-US" smtClean="0"/>
-              <a:t>2023-03-25</a:t>
+              <a:t>2023-04-08</a:t>
             </a:fld>
             <a:endParaRPr lang="ko-KR" altLang="en-US"/>
           </a:p>
@@ -1125,7 +1125,7 @@
           <a:p>
             <a:fld id="{AB448CD7-D367-43D5-B461-ACE552E75063}" type="datetime1">
               <a:rPr lang="ko-KR" altLang="en-US" smtClean="0"/>
-              <a:t>2023-03-25</a:t>
+              <a:t>2023-04-08</a:t>
             </a:fld>
             <a:endParaRPr lang="ko-KR" altLang="en-US"/>
           </a:p>
@@ -1303,7 +1303,7 @@
           <a:p>
             <a:fld id="{B6E49E79-7361-4780-8BEF-7EDE3708298A}" type="datetime1">
               <a:rPr lang="ko-KR" altLang="en-US" smtClean="0"/>
-              <a:t>2023-03-25</a:t>
+              <a:t>2023-04-08</a:t>
             </a:fld>
             <a:endParaRPr lang="ko-KR" altLang="en-US"/>
           </a:p>
@@ -1475,7 +1475,7 @@
           <a:p>
             <a:fld id="{A4D42E3C-B70B-437C-85CF-1286301B9CBA}" type="datetime1">
               <a:rPr lang="ko-KR" altLang="en-US" smtClean="0"/>
-              <a:t>2023-03-25</a:t>
+              <a:t>2023-04-08</a:t>
             </a:fld>
             <a:endParaRPr lang="ko-KR" altLang="en-US"/>
           </a:p>
@@ -1727,7 +1727,7 @@
           <a:p>
             <a:fld id="{B3369A20-5B3D-4D98-A822-26B93D177A40}" type="datetime1">
               <a:rPr lang="ko-KR" altLang="en-US" smtClean="0"/>
-              <a:t>2023-03-25</a:t>
+              <a:t>2023-04-08</a:t>
             </a:fld>
             <a:endParaRPr lang="ko-KR" altLang="en-US"/>
           </a:p>
@@ -2012,7 +2012,7 @@
           <a:p>
             <a:fld id="{685CD4CE-9E43-4F70-A9D8-A2130CA7D92A}" type="datetime1">
               <a:rPr lang="ko-KR" altLang="en-US" smtClean="0"/>
-              <a:t>2023-03-25</a:t>
+              <a:t>2023-04-08</a:t>
             </a:fld>
             <a:endParaRPr lang="ko-KR" altLang="en-US"/>
           </a:p>
@@ -2438,7 +2438,7 @@
           <a:p>
             <a:fld id="{F752BD92-DA3E-4A0B-90C9-7DE5E15B6E96}" type="datetime1">
               <a:rPr lang="ko-KR" altLang="en-US" smtClean="0"/>
-              <a:t>2023-03-25</a:t>
+              <a:t>2023-04-08</a:t>
             </a:fld>
             <a:endParaRPr lang="ko-KR" altLang="en-US"/>
           </a:p>
@@ -2562,7 +2562,7 @@
           <a:p>
             <a:fld id="{8EA2B83A-F366-424E-B742-340ACF856BB5}" type="datetime1">
               <a:rPr lang="ko-KR" altLang="en-US" smtClean="0"/>
-              <a:t>2023-03-25</a:t>
+              <a:t>2023-04-08</a:t>
             </a:fld>
             <a:endParaRPr lang="ko-KR" altLang="en-US"/>
           </a:p>
@@ -2657,7 +2657,7 @@
           <a:p>
             <a:fld id="{9A49D68B-5DBD-48E9-A8D4-FCBC4B3DD9C6}" type="datetime1">
               <a:rPr lang="ko-KR" altLang="en-US" smtClean="0"/>
-              <a:t>2023-03-25</a:t>
+              <a:t>2023-04-08</a:t>
             </a:fld>
             <a:endParaRPr lang="ko-KR" altLang="en-US"/>
           </a:p>
@@ -2932,7 +2932,7 @@
           <a:p>
             <a:fld id="{4CAB534F-7D16-467B-9320-91F98915D181}" type="datetime1">
               <a:rPr lang="ko-KR" altLang="en-US" smtClean="0"/>
-              <a:t>2023-03-25</a:t>
+              <a:t>2023-04-08</a:t>
             </a:fld>
             <a:endParaRPr lang="ko-KR" altLang="en-US"/>
           </a:p>
@@ -3184,7 +3184,7 @@
           <a:p>
             <a:fld id="{A390A91F-2F8D-4486-A69D-D680F95444B0}" type="datetime1">
               <a:rPr lang="ko-KR" altLang="en-US" smtClean="0"/>
-              <a:t>2023-03-25</a:t>
+              <a:t>2023-04-08</a:t>
             </a:fld>
             <a:endParaRPr lang="ko-KR" altLang="en-US"/>
           </a:p>
@@ -3363,7 +3363,7 @@
           <a:p>
             <a:fld id="{2238BBEA-E8DD-414A-BF68-FC2AFA7CFF2D}" type="datetime1">
               <a:rPr lang="ko-KR" altLang="en-US" smtClean="0"/>
-              <a:t>2023-03-25</a:t>
+              <a:t>2023-04-08</a:t>
             </a:fld>
             <a:endParaRPr lang="ko-KR" altLang="en-US"/>
           </a:p>
@@ -10371,7 +10371,7 @@
           <p:nvPr>
             <p:extLst>
               <p:ext uri="{D42A27DB-BD31-4B8C-83A1-F6EECF244321}">
-                <p14:modId xmlns:p14="http://schemas.microsoft.com/office/powerpoint/2010/main" val="4191631953"/>
+                <p14:modId xmlns:p14="http://schemas.microsoft.com/office/powerpoint/2010/main" val="712082497"/>
               </p:ext>
             </p:extLst>
           </p:nvPr>
@@ -10499,7 +10499,15 @@
                       <a:pPr algn="l" latinLnBrk="1"/>
                       <a:r>
                         <a:rPr lang="en-US" altLang="ko-KR" sz="1800" dirty="0" smtClean="0"/>
-                        <a:t>&gt;&gt;&gt; s = ‘banana, grape, kiwi'</a:t>
+                        <a:t>&gt;&gt;&gt; </a:t>
+                      </a:r>
+                      <a:r>
+                        <a:rPr lang="en-US" altLang="ko-KR" sz="1800" dirty="0" smtClean="0"/>
+                        <a:t>fruit </a:t>
+                      </a:r>
+                      <a:r>
+                        <a:rPr lang="en-US" altLang="ko-KR" sz="1800" dirty="0" smtClean="0"/>
+                        <a:t>= ‘banana, grape, kiwi'</a:t>
                       </a:r>
                     </a:p>
                     <a:p>
@@ -23852,7 +23860,7 @@
       </p:sp>
       <p:pic>
         <p:nvPicPr>
-          <p:cNvPr id="6" name="그림 5"/>
+          <p:cNvPr id="5" name="그림 4"/>
           <p:cNvPicPr>
             <a:picLocks noChangeAspect="1"/>
           </p:cNvPicPr>
@@ -23872,8 +23880,8 @@
         </p:blipFill>
         <p:spPr>
           <a:xfrm>
-            <a:off x="1568624" y="2415452"/>
-            <a:ext cx="2808312" cy="2394266"/>
+            <a:off x="1856656" y="2458005"/>
+            <a:ext cx="2110923" cy="3162574"/>
           </a:xfrm>
           <a:prstGeom prst="rect">
             <a:avLst/>
@@ -23889,7 +23897,7 @@
       </p:pic>
       <p:pic>
         <p:nvPicPr>
-          <p:cNvPr id="7" name="그림 6"/>
+          <p:cNvPr id="8" name="그림 7"/>
           <p:cNvPicPr>
             <a:picLocks noChangeAspect="1"/>
           </p:cNvPicPr>
@@ -23909,8 +23917,8 @@
         </p:blipFill>
         <p:spPr>
           <a:xfrm>
-            <a:off x="5167993" y="2743139"/>
-            <a:ext cx="2306318" cy="1738891"/>
+            <a:off x="4808984" y="2708920"/>
+            <a:ext cx="1920406" cy="2095682"/>
           </a:xfrm>
           <a:prstGeom prst="rect">
             <a:avLst/>
@@ -24011,68 +24019,9 @@
           </a:p>
         </p:txBody>
       </p:sp>
-      <p:sp>
-        <p:nvSpPr>
-          <p:cNvPr id="12" name="TextBox 11"/>
-          <p:cNvSpPr txBox="1"/>
-          <p:nvPr/>
-        </p:nvSpPr>
-        <p:spPr>
-          <a:xfrm>
-            <a:off x="810021" y="1196752"/>
-            <a:ext cx="4863059" cy="509178"/>
-          </a:xfrm>
-          <a:prstGeom prst="rect">
-            <a:avLst/>
-          </a:prstGeom>
-          <a:ln>
-            <a:noFill/>
-          </a:ln>
-        </p:spPr>
-        <p:style>
-          <a:lnRef idx="2">
-            <a:schemeClr val="dk1"/>
-          </a:lnRef>
-          <a:fillRef idx="1">
-            <a:schemeClr val="lt1"/>
-          </a:fillRef>
-          <a:effectRef idx="0">
-            <a:schemeClr val="dk1"/>
-          </a:effectRef>
-          <a:fontRef idx="minor">
-            <a:schemeClr val="dk1"/>
-          </a:fontRef>
-        </p:style>
-        <p:txBody>
-          <a:bodyPr wrap="square" rtlCol="0">
-            <a:spAutoFit/>
-          </a:bodyPr>
-          <a:lstStyle/>
-          <a:p>
-            <a:pPr marL="342900" indent="-342900">
-              <a:lnSpc>
-                <a:spcPct val="150000"/>
-              </a:lnSpc>
-              <a:buFont typeface="Wingdings" panose="05000000000000000000" pitchFamily="2" charset="2"/>
-              <a:buChar char="l"/>
-            </a:pPr>
-            <a:r>
-              <a:rPr lang="ko-KR" altLang="en-US" sz="2000" dirty="0" smtClean="0">
-                <a:latin typeface="휴먼엑스포" panose="02030504000101010101" pitchFamily="18" charset="-127"/>
-                <a:ea typeface="휴먼엑스포" panose="02030504000101010101" pitchFamily="18" charset="-127"/>
-              </a:rPr>
-              <a:t>학생의 성적 통계</a:t>
-            </a:r>
-            <a:endParaRPr lang="en-US" altLang="ko-KR" sz="2000" dirty="0" smtClean="0">
-              <a:latin typeface="휴먼엑스포" panose="02030504000101010101" pitchFamily="18" charset="-127"/>
-              <a:ea typeface="휴먼엑스포" panose="02030504000101010101" pitchFamily="18" charset="-127"/>
-            </a:endParaRPr>
-          </a:p>
-        </p:txBody>
-      </p:sp>
       <p:pic>
         <p:nvPicPr>
-          <p:cNvPr id="3" name="그림 2"/>
+          <p:cNvPr id="6" name="그림 5"/>
           <p:cNvPicPr>
             <a:picLocks noChangeAspect="1"/>
           </p:cNvPicPr>
@@ -24092,8 +24041,8 @@
         </p:blipFill>
         <p:spPr>
           <a:xfrm>
-            <a:off x="1064568" y="1916832"/>
-            <a:ext cx="8306439" cy="3672408"/>
+            <a:off x="1496615" y="1196752"/>
+            <a:ext cx="5763977" cy="5256585"/>
           </a:xfrm>
           <a:prstGeom prst="rect">
             <a:avLst/>
@@ -24194,74 +24143,15 @@
           </a:p>
         </p:txBody>
       </p:sp>
-      <p:sp>
-        <p:nvSpPr>
-          <p:cNvPr id="12" name="TextBox 11"/>
-          <p:cNvSpPr txBox="1"/>
-          <p:nvPr/>
-        </p:nvSpPr>
-        <p:spPr>
-          <a:xfrm>
-            <a:off x="810021" y="1196752"/>
-            <a:ext cx="4863059" cy="509178"/>
-          </a:xfrm>
-          <a:prstGeom prst="rect">
-            <a:avLst/>
-          </a:prstGeom>
-          <a:ln>
-            <a:noFill/>
-          </a:ln>
-        </p:spPr>
-        <p:style>
-          <a:lnRef idx="2">
-            <a:schemeClr val="dk1"/>
-          </a:lnRef>
-          <a:fillRef idx="1">
-            <a:schemeClr val="lt1"/>
-          </a:fillRef>
-          <a:effectRef idx="0">
-            <a:schemeClr val="dk1"/>
-          </a:effectRef>
-          <a:fontRef idx="minor">
-            <a:schemeClr val="dk1"/>
-          </a:fontRef>
-        </p:style>
-        <p:txBody>
-          <a:bodyPr wrap="square" rtlCol="0">
-            <a:spAutoFit/>
-          </a:bodyPr>
-          <a:lstStyle/>
-          <a:p>
-            <a:pPr marL="342900" indent="-342900">
-              <a:lnSpc>
-                <a:spcPct val="150000"/>
-              </a:lnSpc>
-              <a:buFont typeface="Wingdings" panose="05000000000000000000" pitchFamily="2" charset="2"/>
-              <a:buChar char="l"/>
-            </a:pPr>
-            <a:r>
-              <a:rPr lang="ko-KR" altLang="en-US" sz="2000" dirty="0" smtClean="0">
-                <a:latin typeface="휴먼엑스포" panose="02030504000101010101" pitchFamily="18" charset="-127"/>
-                <a:ea typeface="휴먼엑스포" panose="02030504000101010101" pitchFamily="18" charset="-127"/>
-              </a:rPr>
-              <a:t>학생의 성적 통계</a:t>
-            </a:r>
-            <a:endParaRPr lang="en-US" altLang="ko-KR" sz="2000" dirty="0" smtClean="0">
-              <a:latin typeface="휴먼엑스포" panose="02030504000101010101" pitchFamily="18" charset="-127"/>
-              <a:ea typeface="휴먼엑스포" panose="02030504000101010101" pitchFamily="18" charset="-127"/>
-            </a:endParaRPr>
-          </a:p>
-        </p:txBody>
-      </p:sp>
       <p:pic>
         <p:nvPicPr>
-          <p:cNvPr id="5" name="그림 4"/>
+          <p:cNvPr id="3" name="그림 2"/>
           <p:cNvPicPr>
             <a:picLocks noChangeAspect="1"/>
           </p:cNvPicPr>
           <p:nvPr/>
         </p:nvPicPr>
-        <p:blipFill rotWithShape="1">
+        <p:blipFill>
           <a:blip r:embed="rId2">
             <a:extLst>
               <a:ext uri="{28A0092B-C50C-407E-A947-70E740481C1C}">
@@ -24269,49 +24159,14 @@
               </a:ext>
             </a:extLst>
           </a:blip>
-          <a:srcRect b="39726"/>
-          <a:stretch/>
+          <a:stretch>
+            <a:fillRect/>
+          </a:stretch>
         </p:blipFill>
         <p:spPr>
           <a:xfrm>
-            <a:off x="810021" y="1988840"/>
-            <a:ext cx="4778154" cy="3490866"/>
-          </a:xfrm>
-          <a:prstGeom prst="rect">
-            <a:avLst/>
-          </a:prstGeom>
-          <a:ln>
-            <a:solidFill>
-              <a:schemeClr val="bg1">
-                <a:lumMod val="85000"/>
-              </a:schemeClr>
-            </a:solidFill>
-          </a:ln>
-        </p:spPr>
-      </p:pic>
-      <p:pic>
-        <p:nvPicPr>
-          <p:cNvPr id="7" name="그림 6"/>
-          <p:cNvPicPr>
-            <a:picLocks noChangeAspect="1"/>
-          </p:cNvPicPr>
-          <p:nvPr/>
-        </p:nvPicPr>
-        <p:blipFill rotWithShape="1">
-          <a:blip r:embed="rId2">
-            <a:extLst>
-              <a:ext uri="{28A0092B-C50C-407E-A947-70E740481C1C}">
-                <a14:useLocalDpi xmlns:a14="http://schemas.microsoft.com/office/drawing/2010/main" val="0"/>
-              </a:ext>
-            </a:extLst>
-          </a:blip>
-          <a:srcRect t="60375"/>
-          <a:stretch/>
-        </p:blipFill>
-        <p:spPr>
-          <a:xfrm>
-            <a:off x="4880992" y="2198576"/>
-            <a:ext cx="4778154" cy="2294953"/>
+            <a:off x="1640632" y="1196752"/>
+            <a:ext cx="4104456" cy="5510480"/>
           </a:xfrm>
           <a:prstGeom prst="rect">
             <a:avLst/>
